--- a/Outlaw/Classifier For the Ages.pptx
+++ b/Outlaw/Classifier For the Ages.pptx
@@ -4232,7 +4232,7 @@
           <p:nvPr>
             <p:extLst>
               <p:ext uri="{D42A27DB-BD31-4B8C-83A1-F6EECF244321}">
-                <p14:modId xmlns:p14="http://schemas.microsoft.com/office/powerpoint/2010/main" val="1881398087"/>
+                <p14:modId xmlns:p14="http://schemas.microsoft.com/office/powerpoint/2010/main" val="3224063598"/>
               </p:ext>
             </p:extLst>
           </p:nvPr>
@@ -4400,7 +4400,7 @@
                         <a:tabLst/>
                       </a:pPr>
                       <a:r>
-                        <a:rPr kumimoji="0" lang="en-US" sz="1200" b="1" i="0" u="none" strike="noStrike" cap="none" normalizeH="0" baseline="0" dirty="0">
+                        <a:rPr kumimoji="0" lang="en-US" sz="1200" b="1" i="0" u="none" strike="noStrike" cap="none" normalizeH="0" baseline="0">
                           <a:ln>
                             <a:noFill/>
                           </a:ln>
@@ -4411,7 +4411,7 @@
                           <a:latin typeface="Arial" charset="0"/>
                           <a:cs typeface="Times New Roman" charset="0"/>
                         </a:rPr>
-                        <a:t>North Pistol, A</a:t>
+                        <a:t>Action Bay, B</a:t>
                       </a:r>
                       <a:br>
                         <a:rPr kumimoji="0" lang="en-US" sz="1200" b="1" i="0" u="none" strike="noStrike" cap="none" normalizeH="0" baseline="0" dirty="0">
@@ -7144,6 +7144,146 @@
           </p:txBody>
         </p:sp>
       </p:grpSp>
+      <p:sp>
+        <p:nvSpPr>
+          <p:cNvPr id="33" name="TextBox 32">
+            <a:extLst>
+              <a:ext uri="{FF2B5EF4-FFF2-40B4-BE49-F238E27FC236}">
+                <a16:creationId xmlns:a16="http://schemas.microsoft.com/office/drawing/2014/main" id="{0DD7BF7B-9E32-4337-B65D-42147F94BBFF}"/>
+              </a:ext>
+            </a:extLst>
+          </p:cNvPr>
+          <p:cNvSpPr txBox="1"/>
+          <p:nvPr/>
+        </p:nvSpPr>
+        <p:spPr>
+          <a:xfrm>
+            <a:off x="1944556" y="4343147"/>
+            <a:ext cx="533400" cy="369332"/>
+          </a:xfrm>
+          <a:prstGeom prst="rect">
+            <a:avLst/>
+          </a:prstGeom>
+          <a:noFill/>
+        </p:spPr>
+        <p:txBody>
+          <a:bodyPr wrap="square" rtlCol="0">
+            <a:spAutoFit/>
+          </a:bodyPr>
+          <a:lstStyle/>
+          <a:p>
+            <a:r>
+              <a:rPr lang="en-US" b="1" dirty="0"/>
+              <a:t>T1</a:t>
+            </a:r>
+          </a:p>
+        </p:txBody>
+      </p:sp>
+      <p:sp>
+        <p:nvSpPr>
+          <p:cNvPr id="34" name="TextBox 33">
+            <a:extLst>
+              <a:ext uri="{FF2B5EF4-FFF2-40B4-BE49-F238E27FC236}">
+                <a16:creationId xmlns:a16="http://schemas.microsoft.com/office/drawing/2014/main" id="{5B9F9125-BBF9-4FC7-AD8F-896211D48ADE}"/>
+              </a:ext>
+            </a:extLst>
+          </p:cNvPr>
+          <p:cNvSpPr txBox="1"/>
+          <p:nvPr/>
+        </p:nvSpPr>
+        <p:spPr>
+          <a:xfrm>
+            <a:off x="2904625" y="3810713"/>
+            <a:ext cx="533400" cy="369332"/>
+          </a:xfrm>
+          <a:prstGeom prst="rect">
+            <a:avLst/>
+          </a:prstGeom>
+          <a:noFill/>
+        </p:spPr>
+        <p:txBody>
+          <a:bodyPr wrap="square" rtlCol="0">
+            <a:spAutoFit/>
+          </a:bodyPr>
+          <a:lstStyle/>
+          <a:p>
+            <a:r>
+              <a:rPr lang="en-US" b="1" dirty="0"/>
+              <a:t>T2</a:t>
+            </a:r>
+          </a:p>
+        </p:txBody>
+      </p:sp>
+      <p:sp>
+        <p:nvSpPr>
+          <p:cNvPr id="35" name="TextBox 34">
+            <a:extLst>
+              <a:ext uri="{FF2B5EF4-FFF2-40B4-BE49-F238E27FC236}">
+                <a16:creationId xmlns:a16="http://schemas.microsoft.com/office/drawing/2014/main" id="{FF97D81F-2B1C-4942-92BB-E560F06C4578}"/>
+              </a:ext>
+            </a:extLst>
+          </p:cNvPr>
+          <p:cNvSpPr txBox="1"/>
+          <p:nvPr/>
+        </p:nvSpPr>
+        <p:spPr>
+          <a:xfrm>
+            <a:off x="3864694" y="3873780"/>
+            <a:ext cx="533400" cy="369332"/>
+          </a:xfrm>
+          <a:prstGeom prst="rect">
+            <a:avLst/>
+          </a:prstGeom>
+          <a:noFill/>
+        </p:spPr>
+        <p:txBody>
+          <a:bodyPr wrap="square" rtlCol="0">
+            <a:spAutoFit/>
+          </a:bodyPr>
+          <a:lstStyle/>
+          <a:p>
+            <a:r>
+              <a:rPr lang="en-US" b="1" dirty="0"/>
+              <a:t>T3</a:t>
+            </a:r>
+          </a:p>
+        </p:txBody>
+      </p:sp>
+      <p:sp>
+        <p:nvSpPr>
+          <p:cNvPr id="37" name="TextBox 36">
+            <a:extLst>
+              <a:ext uri="{FF2B5EF4-FFF2-40B4-BE49-F238E27FC236}">
+                <a16:creationId xmlns:a16="http://schemas.microsoft.com/office/drawing/2014/main" id="{C48F9F9F-AC4C-4A8B-9DD9-9177B69D6DA3}"/>
+              </a:ext>
+            </a:extLst>
+          </p:cNvPr>
+          <p:cNvSpPr txBox="1"/>
+          <p:nvPr/>
+        </p:nvSpPr>
+        <p:spPr>
+          <a:xfrm>
+            <a:off x="4815291" y="4350954"/>
+            <a:ext cx="533400" cy="369332"/>
+          </a:xfrm>
+          <a:prstGeom prst="rect">
+            <a:avLst/>
+          </a:prstGeom>
+          <a:noFill/>
+        </p:spPr>
+        <p:txBody>
+          <a:bodyPr wrap="square" rtlCol="0">
+            <a:spAutoFit/>
+          </a:bodyPr>
+          <a:lstStyle/>
+          <a:p>
+            <a:r>
+              <a:rPr lang="en-US" b="1" dirty="0"/>
+              <a:t>T4</a:t>
+            </a:r>
+          </a:p>
+        </p:txBody>
+      </p:sp>
     </p:spTree>
   </p:cSld>
   <p:clrMapOvr>
